--- a/Documentation/User Guide/Tieng Viet/Huong dan cai dat Quantum 1.0.pptx
+++ b/Documentation/User Guide/Tieng Viet/Huong dan cai dat Quantum 1.0.pptx
@@ -295,7 +295,7 @@
             <a:fld id="{47A81F88-1A84-4708-B983-BBA1C9AC2553}" type="datetimeFigureOut">
               <a:rPr lang="en-US" smtClean="0"/>
               <a:pPr/>
-              <a:t>7/13/2012</a:t>
+              <a:t>6/13/2013</a:t>
             </a:fld>
             <a:endParaRPr lang="en-US"/>
           </a:p>
@@ -462,7 +462,7 @@
             <a:fld id="{47A81F88-1A84-4708-B983-BBA1C9AC2553}" type="datetimeFigureOut">
               <a:rPr lang="en-US" smtClean="0"/>
               <a:pPr/>
-              <a:t>7/13/2012</a:t>
+              <a:t>6/13/2013</a:t>
             </a:fld>
             <a:endParaRPr lang="en-US"/>
           </a:p>
@@ -639,7 +639,7 @@
             <a:fld id="{47A81F88-1A84-4708-B983-BBA1C9AC2553}" type="datetimeFigureOut">
               <a:rPr lang="en-US" smtClean="0"/>
               <a:pPr/>
-              <a:t>7/13/2012</a:t>
+              <a:t>6/13/2013</a:t>
             </a:fld>
             <a:endParaRPr lang="en-US"/>
           </a:p>
@@ -806,7 +806,7 @@
             <a:fld id="{47A81F88-1A84-4708-B983-BBA1C9AC2553}" type="datetimeFigureOut">
               <a:rPr lang="en-US" smtClean="0"/>
               <a:pPr/>
-              <a:t>7/13/2012</a:t>
+              <a:t>6/13/2013</a:t>
             </a:fld>
             <a:endParaRPr lang="en-US"/>
           </a:p>
@@ -1050,7 +1050,7 @@
             <a:fld id="{47A81F88-1A84-4708-B983-BBA1C9AC2553}" type="datetimeFigureOut">
               <a:rPr lang="en-US" smtClean="0"/>
               <a:pPr/>
-              <a:t>7/13/2012</a:t>
+              <a:t>6/13/2013</a:t>
             </a:fld>
             <a:endParaRPr lang="en-US"/>
           </a:p>
@@ -1316,7 +1316,7 @@
             <a:fld id="{47A81F88-1A84-4708-B983-BBA1C9AC2553}" type="datetimeFigureOut">
               <a:rPr lang="en-US" smtClean="0"/>
               <a:pPr/>
-              <a:t>7/13/2012</a:t>
+              <a:t>6/13/2013</a:t>
             </a:fld>
             <a:endParaRPr lang="en-US"/>
           </a:p>
@@ -1696,7 +1696,7 @@
             <a:fld id="{47A81F88-1A84-4708-B983-BBA1C9AC2553}" type="datetimeFigureOut">
               <a:rPr lang="en-US" smtClean="0"/>
               <a:pPr/>
-              <a:t>7/13/2012</a:t>
+              <a:t>6/13/2013</a:t>
             </a:fld>
             <a:endParaRPr lang="en-US"/>
           </a:p>
@@ -1848,7 +1848,7 @@
             <a:fld id="{47A81F88-1A84-4708-B983-BBA1C9AC2553}" type="datetimeFigureOut">
               <a:rPr lang="en-US" smtClean="0"/>
               <a:pPr/>
-              <a:t>7/13/2012</a:t>
+              <a:t>6/13/2013</a:t>
             </a:fld>
             <a:endParaRPr lang="en-US"/>
           </a:p>
@@ -1940,7 +1940,7 @@
             <a:fld id="{47A81F88-1A84-4708-B983-BBA1C9AC2553}" type="datetimeFigureOut">
               <a:rPr lang="en-US" smtClean="0"/>
               <a:pPr/>
-              <a:t>7/13/2012</a:t>
+              <a:t>6/13/2013</a:t>
             </a:fld>
             <a:endParaRPr lang="en-US"/>
           </a:p>
@@ -2203,7 +2203,7 @@
             <a:fld id="{47A81F88-1A84-4708-B983-BBA1C9AC2553}" type="datetimeFigureOut">
               <a:rPr lang="en-US" smtClean="0"/>
               <a:pPr/>
-              <a:t>7/13/2012</a:t>
+              <a:t>6/13/2013</a:t>
             </a:fld>
             <a:endParaRPr lang="en-US"/>
           </a:p>
@@ -2493,7 +2493,7 @@
             <a:fld id="{47A81F88-1A84-4708-B983-BBA1C9AC2553}" type="datetimeFigureOut">
               <a:rPr lang="en-US" smtClean="0"/>
               <a:pPr/>
-              <a:t>7/13/2012</a:t>
+              <a:t>6/13/2013</a:t>
             </a:fld>
             <a:endParaRPr lang="en-US"/>
           </a:p>
@@ -3266,7 +3266,7 @@
             <a:fld id="{47A81F88-1A84-4708-B983-BBA1C9AC2553}" type="datetimeFigureOut">
               <a:rPr lang="en-US" smtClean="0"/>
               <a:pPr/>
-              <a:t>7/13/2012</a:t>
+              <a:t>6/13/2013</a:t>
             </a:fld>
             <a:endParaRPr lang="en-US"/>
           </a:p>
@@ -4056,17 +4056,17 @@
               <a:rPr lang="en-US" dirty="0" smtClean="0">
                 <a:hlinkClick r:id="rId2"/>
               </a:rPr>
-              <a:t>http</a:t>
+              <a:t>http://</a:t>
             </a:r>
             <a:r>
               <a:rPr lang="en-US" dirty="0" smtClean="0">
                 <a:hlinkClick r:id="rId2"/>
               </a:rPr>
-              <a:t>://www.q-invest.net</a:t>
-            </a:r>
-            <a:r>
-              <a:rPr lang="en-US" dirty="0" smtClean="0"/>
-              <a:t> </a:t>
+              <a:t>www.quantumvn.com</a:t>
+            </a:r>
+            <a:r>
+              <a:rPr lang="en-US" dirty="0" smtClean="0"/>
+              <a:t>  </a:t>
             </a:r>
             <a:endParaRPr lang="en-US" dirty="0"/>
           </a:p>
@@ -4253,14 +4253,14 @@
       </p:sp>
       <p:pic>
         <p:nvPicPr>
-          <p:cNvPr id="4" name="Picture 2"/>
+          <p:cNvPr id="1026" name="Picture 2"/>
           <p:cNvPicPr>
             <a:picLocks noChangeAspect="1" noChangeArrowheads="1"/>
           </p:cNvPicPr>
           <p:nvPr/>
         </p:nvPicPr>
         <p:blipFill>
-          <a:blip r:embed="rId2" cstate="print"/>
+          <a:blip r:embed="rId2"/>
           <a:srcRect/>
           <a:stretch>
             <a:fillRect/>
@@ -4268,8 +4268,8 @@
         </p:blipFill>
         <p:spPr bwMode="auto">
           <a:xfrm>
-            <a:off x="1600200" y="2057400"/>
-            <a:ext cx="5724176" cy="4019550"/>
+            <a:off x="1219200" y="1828800"/>
+            <a:ext cx="6477000" cy="4533900"/>
           </a:xfrm>
           <a:prstGeom prst="rect">
             <a:avLst/>
@@ -4281,6 +4281,7 @@
             <a:headEnd/>
             <a:tailEnd/>
           </a:ln>
+          <a:effectLst/>
         </p:spPr>
       </p:pic>
     </p:spTree>
@@ -5123,7 +5124,13 @@
               <a:rPr lang="en-US" dirty="0" smtClean="0">
                 <a:hlinkClick r:id="rId2"/>
               </a:rPr>
-              <a:t>info@hqcorporation.net</a:t>
+              <a:t>info@</a:t>
+            </a:r>
+            <a:r>
+              <a:rPr lang="en-US" dirty="0" smtClean="0">
+                <a:hlinkClick r:id="rId2"/>
+              </a:rPr>
+              <a:t>quantumvn.com</a:t>
             </a:r>
             <a:endParaRPr lang="en-US" dirty="0" smtClean="0"/>
           </a:p>
@@ -5133,20 +5140,28 @@
             </a:pPr>
             <a:r>
               <a:rPr lang="en-US" dirty="0" smtClean="0"/>
-              <a:t>Website</a:t>
-            </a:r>
-            <a:r>
-              <a:rPr lang="en-US" smtClean="0"/>
-              <a:t>: </a:t>
-            </a:r>
-            <a:r>
-              <a:rPr lang="en-US" smtClean="0">
+              <a:t>Website: </a:t>
+            </a:r>
+            <a:r>
+              <a:rPr lang="en-US" dirty="0" smtClean="0">
                 <a:hlinkClick r:id="rId3"/>
               </a:rPr>
-              <a:t>http://q-invest.net</a:t>
-            </a:r>
-            <a:r>
-              <a:rPr lang="en-US" smtClean="0"/>
+              <a:t>http</a:t>
+            </a:r>
+            <a:r>
+              <a:rPr lang="en-US" dirty="0" smtClean="0">
+                <a:hlinkClick r:id="rId3"/>
+              </a:rPr>
+              <a:t>://</a:t>
+            </a:r>
+            <a:r>
+              <a:rPr lang="en-US" dirty="0" smtClean="0">
+                <a:hlinkClick r:id="rId3"/>
+              </a:rPr>
+              <a:t>www.quantumvn.com</a:t>
+            </a:r>
+            <a:r>
+              <a:rPr lang="en-US" dirty="0" smtClean="0"/>
               <a:t> </a:t>
             </a:r>
             <a:endParaRPr lang="en-US" dirty="0"/>
@@ -5202,11 +5217,7 @@
           <a:p>
             <a:r>
               <a:rPr lang="en-US" sz="4000" dirty="0" smtClean="0"/>
-              <a:t>CHÚC CÁC BẠN GIAO DỊCH THÀNH </a:t>
-            </a:r>
-            <a:r>
-              <a:rPr lang="en-US" sz="4000" dirty="0" smtClean="0"/>
-              <a:t>CÔNG</a:t>
+              <a:t>CHÚC CÁC BẠN GIAO DỊCH THÀNH CÔNG</a:t>
             </a:r>
             <a:endParaRPr lang="en-US" sz="4000" dirty="0"/>
           </a:p>
@@ -5949,7 +5960,17 @@
             </a:r>
             <a:r>
               <a:rPr lang="en-US" dirty="0" smtClean="0"/>
-              <a:t> download: www.q-invest.net</a:t>
+              <a:t> download: </a:t>
+            </a:r>
+            <a:r>
+              <a:rPr lang="en-US" dirty="0" smtClean="0">
+                <a:hlinkClick r:id="rId2"/>
+              </a:rPr>
+              <a:t>www.quantumvn.com/download</a:t>
+            </a:r>
+            <a:r>
+              <a:rPr lang="en-US" dirty="0" smtClean="0"/>
+              <a:t> </a:t>
             </a:r>
             <a:endParaRPr lang="en-US" dirty="0"/>
           </a:p>
@@ -5964,7 +5985,7 @@
           <p:nvPr/>
         </p:nvPicPr>
         <p:blipFill>
-          <a:blip r:embed="rId2" cstate="print"/>
+          <a:blip r:embed="rId3" cstate="print"/>
           <a:srcRect/>
           <a:stretch>
             <a:fillRect/>
